--- a/other/flow chart.pptx
+++ b/other/flow chart.pptx
@@ -244,7 +244,7 @@
           <a:p>
             <a:fld id="{E3FB9574-B5D4-475F-82EF-51C0BC460153}" type="datetimeFigureOut">
               <a:rPr lang="en-US" smtClean="0"/>
-              <a:t>4/15/2017</a:t>
+              <a:t>5/1/2017</a:t>
             </a:fld>
             <a:endParaRPr lang="en-US"/>
           </a:p>
@@ -412,7 +412,7 @@
           <a:p>
             <a:fld id="{E3FB9574-B5D4-475F-82EF-51C0BC460153}" type="datetimeFigureOut">
               <a:rPr lang="en-US" smtClean="0"/>
-              <a:t>4/15/2017</a:t>
+              <a:t>5/1/2017</a:t>
             </a:fld>
             <a:endParaRPr lang="en-US"/>
           </a:p>
@@ -590,7 +590,7 @@
           <a:p>
             <a:fld id="{E3FB9574-B5D4-475F-82EF-51C0BC460153}" type="datetimeFigureOut">
               <a:rPr lang="en-US" smtClean="0"/>
-              <a:t>4/15/2017</a:t>
+              <a:t>5/1/2017</a:t>
             </a:fld>
             <a:endParaRPr lang="en-US"/>
           </a:p>
@@ -758,7 +758,7 @@
           <a:p>
             <a:fld id="{E3FB9574-B5D4-475F-82EF-51C0BC460153}" type="datetimeFigureOut">
               <a:rPr lang="en-US" smtClean="0"/>
-              <a:t>4/15/2017</a:t>
+              <a:t>5/1/2017</a:t>
             </a:fld>
             <a:endParaRPr lang="en-US"/>
           </a:p>
@@ -1003,7 +1003,7 @@
           <a:p>
             <a:fld id="{E3FB9574-B5D4-475F-82EF-51C0BC460153}" type="datetimeFigureOut">
               <a:rPr lang="en-US" smtClean="0"/>
-              <a:t>4/15/2017</a:t>
+              <a:t>5/1/2017</a:t>
             </a:fld>
             <a:endParaRPr lang="en-US"/>
           </a:p>
@@ -1232,7 +1232,7 @@
           <a:p>
             <a:fld id="{E3FB9574-B5D4-475F-82EF-51C0BC460153}" type="datetimeFigureOut">
               <a:rPr lang="en-US" smtClean="0"/>
-              <a:t>4/15/2017</a:t>
+              <a:t>5/1/2017</a:t>
             </a:fld>
             <a:endParaRPr lang="en-US"/>
           </a:p>
@@ -1596,7 +1596,7 @@
           <a:p>
             <a:fld id="{E3FB9574-B5D4-475F-82EF-51C0BC460153}" type="datetimeFigureOut">
               <a:rPr lang="en-US" smtClean="0"/>
-              <a:t>4/15/2017</a:t>
+              <a:t>5/1/2017</a:t>
             </a:fld>
             <a:endParaRPr lang="en-US"/>
           </a:p>
@@ -1713,7 +1713,7 @@
           <a:p>
             <a:fld id="{E3FB9574-B5D4-475F-82EF-51C0BC460153}" type="datetimeFigureOut">
               <a:rPr lang="en-US" smtClean="0"/>
-              <a:t>4/15/2017</a:t>
+              <a:t>5/1/2017</a:t>
             </a:fld>
             <a:endParaRPr lang="en-US"/>
           </a:p>
@@ -1808,7 +1808,7 @@
           <a:p>
             <a:fld id="{E3FB9574-B5D4-475F-82EF-51C0BC460153}" type="datetimeFigureOut">
               <a:rPr lang="en-US" smtClean="0"/>
-              <a:t>4/15/2017</a:t>
+              <a:t>5/1/2017</a:t>
             </a:fld>
             <a:endParaRPr lang="en-US"/>
           </a:p>
@@ -2083,7 +2083,7 @@
           <a:p>
             <a:fld id="{E3FB9574-B5D4-475F-82EF-51C0BC460153}" type="datetimeFigureOut">
               <a:rPr lang="en-US" smtClean="0"/>
-              <a:t>4/15/2017</a:t>
+              <a:t>5/1/2017</a:t>
             </a:fld>
             <a:endParaRPr lang="en-US"/>
           </a:p>
@@ -2335,7 +2335,7 @@
           <a:p>
             <a:fld id="{E3FB9574-B5D4-475F-82EF-51C0BC460153}" type="datetimeFigureOut">
               <a:rPr lang="en-US" smtClean="0"/>
-              <a:t>4/15/2017</a:t>
+              <a:t>5/1/2017</a:t>
             </a:fld>
             <a:endParaRPr lang="en-US"/>
           </a:p>
@@ -2546,7 +2546,7 @@
           <a:p>
             <a:fld id="{E3FB9574-B5D4-475F-82EF-51C0BC460153}" type="datetimeFigureOut">
               <a:rPr lang="en-US" smtClean="0"/>
-              <a:t>4/15/2017</a:t>
+              <a:t>5/1/2017</a:t>
             </a:fld>
             <a:endParaRPr lang="en-US"/>
           </a:p>
@@ -3132,8 +3132,8 @@
           </a:fontRef>
         </p:style>
       </p:cxnSp>
-      <mc:AlternateContent xmlns:mc="http://schemas.openxmlformats.org/markup-compatibility/2006" xmlns:a14="http://schemas.microsoft.com/office/drawing/2010/main">
-        <mc:Choice Requires="a14">
+      <mc:AlternateContent xmlns:mc="http://schemas.openxmlformats.org/markup-compatibility/2006">
+        <mc:Choice xmlns:a14="http://schemas.microsoft.com/office/drawing/2010/main" Requires="a14">
           <p:sp>
             <p:nvSpPr>
               <p:cNvPr id="24" name="TextBox 23"/>
@@ -3143,7 +3143,7 @@
             <p:spPr>
               <a:xfrm>
                 <a:off x="2025475" y="2271760"/>
-                <a:ext cx="457946" cy="369332"/>
+                <a:ext cx="457946" cy="381258"/>
               </a:xfrm>
               <a:prstGeom prst="rect">
                 <a:avLst/>
@@ -3184,7 +3184,7 @@
                             <a:rPr lang="en-US" sz="2400" b="0" i="1" smtClean="0">
                               <a:latin typeface="Cambria Math" panose="02040503050406030204" pitchFamily="18" charset="0"/>
                             </a:rPr>
-                            <m:t>0</m:t>
+                            <m:t>𝑗</m:t>
                           </m:r>
                         </m:sup>
                       </m:sSup>
@@ -3196,7 +3196,7 @@
             </p:txBody>
           </p:sp>
         </mc:Choice>
-        <mc:Fallback xmlns="">
+        <mc:Fallback>
           <p:sp>
             <p:nvSpPr>
               <p:cNvPr id="24" name="TextBox 23"/>
@@ -3208,7 +3208,7 @@
             <p:spPr>
               <a:xfrm>
                 <a:off x="2025475" y="2271760"/>
-                <a:ext cx="457946" cy="369332"/>
+                <a:ext cx="457946" cy="381258"/>
               </a:xfrm>
               <a:prstGeom prst="rect">
                 <a:avLst/>
@@ -3216,7 +3216,7 @@
               <a:blipFill>
                 <a:blip r:embed="rId2"/>
                 <a:stretch>
-                  <a:fillRect l="-8000" t="-1667" r="-5333"/>
+                  <a:fillRect l="-5333" t="-4839" r="-6667"/>
                 </a:stretch>
               </a:blipFill>
             </p:spPr>
@@ -4363,8 +4363,8 @@
           </p:sp>
         </mc:Fallback>
       </mc:AlternateContent>
-      <mc:AlternateContent xmlns:mc="http://schemas.openxmlformats.org/markup-compatibility/2006" xmlns:a14="http://schemas.microsoft.com/office/drawing/2010/main">
-        <mc:Choice Requires="a14">
+      <mc:AlternateContent xmlns:mc="http://schemas.openxmlformats.org/markup-compatibility/2006">
+        <mc:Choice xmlns:a14="http://schemas.microsoft.com/office/drawing/2010/main" Requires="a14">
           <p:sp>
             <p:nvSpPr>
               <p:cNvPr id="58" name="TextBox 57"/>
@@ -4374,7 +4374,7 @@
             <p:spPr>
               <a:xfrm>
                 <a:off x="3950049" y="482484"/>
-                <a:ext cx="414921" cy="281872"/>
+                <a:ext cx="414921" cy="336823"/>
               </a:xfrm>
               <a:prstGeom prst="rect">
                 <a:avLst/>
@@ -4428,7 +4428,7 @@
                             <a:rPr lang="en-US" b="0" i="1" smtClean="0">
                               <a:latin typeface="Cambria Math" panose="02040503050406030204" pitchFamily="18" charset="0"/>
                             </a:rPr>
-                            <m:t>0</m:t>
+                            <m:t>𝑗</m:t>
                           </m:r>
                         </m:sup>
                       </m:sSubSup>
@@ -4440,7 +4440,7 @@
             </p:txBody>
           </p:sp>
         </mc:Choice>
-        <mc:Fallback xmlns="">
+        <mc:Fallback>
           <p:sp>
             <p:nvSpPr>
               <p:cNvPr id="58" name="TextBox 57"/>
@@ -4452,7 +4452,7 @@
             <p:spPr>
               <a:xfrm>
                 <a:off x="3950049" y="482484"/>
-                <a:ext cx="414921" cy="281872"/>
+                <a:ext cx="414921" cy="336823"/>
               </a:xfrm>
               <a:prstGeom prst="rect">
                 <a:avLst/>
@@ -4460,7 +4460,7 @@
               <a:blipFill>
                 <a:blip r:embed="rId7"/>
                 <a:stretch>
-                  <a:fillRect l="-5714" r="-2857" b="-16667"/>
+                  <a:fillRect l="-5714" t="-1754" r="-2857" b="-15789"/>
                 </a:stretch>
               </a:blipFill>
               <a:ln>
@@ -4484,8 +4484,8 @@
           </p:sp>
         </mc:Fallback>
       </mc:AlternateContent>
-      <mc:AlternateContent xmlns:mc="http://schemas.openxmlformats.org/markup-compatibility/2006" xmlns:a14="http://schemas.microsoft.com/office/drawing/2010/main">
-        <mc:Choice Requires="a14">
+      <mc:AlternateContent xmlns:mc="http://schemas.openxmlformats.org/markup-compatibility/2006">
+        <mc:Choice xmlns:a14="http://schemas.microsoft.com/office/drawing/2010/main" Requires="a14">
           <p:sp>
             <p:nvSpPr>
               <p:cNvPr id="60" name="Rectangle 59"/>
@@ -4495,7 +4495,7 @@
             <p:spPr>
               <a:xfrm>
                 <a:off x="4544291" y="430076"/>
-                <a:ext cx="599587" cy="374783"/>
+                <a:ext cx="599587" cy="429413"/>
               </a:xfrm>
               <a:prstGeom prst="rect">
                 <a:avLst/>
@@ -4543,7 +4543,7 @@
                             <a:rPr lang="en-US" b="0" i="1" smtClean="0">
                               <a:latin typeface="Cambria Math" panose="02040503050406030204" pitchFamily="18" charset="0"/>
                             </a:rPr>
-                            <m:t>0</m:t>
+                            <m:t>𝑗</m:t>
                           </m:r>
                         </m:sup>
                       </m:sSubSup>
@@ -4555,7 +4555,7 @@
             </p:txBody>
           </p:sp>
         </mc:Choice>
-        <mc:Fallback xmlns="">
+        <mc:Fallback>
           <p:sp>
             <p:nvSpPr>
               <p:cNvPr id="60" name="Rectangle 59"/>
@@ -4567,7 +4567,7 @@
             <p:spPr>
               <a:xfrm>
                 <a:off x="4544291" y="430076"/>
-                <a:ext cx="599587" cy="374783"/>
+                <a:ext cx="599587" cy="429413"/>
               </a:xfrm>
               <a:prstGeom prst="rect">
                 <a:avLst/>
@@ -4575,7 +4575,7 @@
               <a:blipFill>
                 <a:blip r:embed="rId8"/>
                 <a:stretch>
-                  <a:fillRect b="-1639"/>
+                  <a:fillRect b="-2857"/>
                 </a:stretch>
               </a:blipFill>
             </p:spPr>
@@ -4594,8 +4594,8 @@
           </p:sp>
         </mc:Fallback>
       </mc:AlternateContent>
-      <mc:AlternateContent xmlns:mc="http://schemas.openxmlformats.org/markup-compatibility/2006" xmlns:a14="http://schemas.microsoft.com/office/drawing/2010/main">
-        <mc:Choice Requires="a14">
+      <mc:AlternateContent xmlns:mc="http://schemas.openxmlformats.org/markup-compatibility/2006">
+        <mc:Choice xmlns:a14="http://schemas.microsoft.com/office/drawing/2010/main" Requires="a14">
           <p:sp>
             <p:nvSpPr>
               <p:cNvPr id="63" name="Rectangle 62"/>
@@ -4605,7 +4605,7 @@
             <p:spPr>
               <a:xfrm>
                 <a:off x="7020948" y="430076"/>
-                <a:ext cx="609334" cy="382028"/>
+                <a:ext cx="609334" cy="433773"/>
               </a:xfrm>
               <a:prstGeom prst="rect">
                 <a:avLst/>
@@ -4659,7 +4659,7 @@
                             <a:rPr lang="en-US" b="0" i="1" smtClean="0">
                               <a:latin typeface="Cambria Math" panose="02040503050406030204" pitchFamily="18" charset="0"/>
                             </a:rPr>
-                            <m:t>0</m:t>
+                            <m:t>𝑗</m:t>
                           </m:r>
                         </m:sup>
                       </m:sSubSup>
@@ -4671,7 +4671,7 @@
             </p:txBody>
           </p:sp>
         </mc:Choice>
-        <mc:Fallback xmlns="">
+        <mc:Fallback>
           <p:sp>
             <p:nvSpPr>
               <p:cNvPr id="63" name="Rectangle 62"/>
@@ -4683,7 +4683,7 @@
             <p:spPr>
               <a:xfrm>
                 <a:off x="7020948" y="430076"/>
-                <a:ext cx="609334" cy="382028"/>
+                <a:ext cx="609334" cy="433773"/>
               </a:xfrm>
               <a:prstGeom prst="rect">
                 <a:avLst/>
@@ -4691,7 +4691,7 @@
               <a:blipFill>
                 <a:blip r:embed="rId9"/>
                 <a:stretch>
-                  <a:fillRect b="-1613"/>
+                  <a:fillRect b="-2817"/>
                 </a:stretch>
               </a:blipFill>
             </p:spPr>
@@ -4710,8 +4710,8 @@
           </p:sp>
         </mc:Fallback>
       </mc:AlternateContent>
-      <mc:AlternateContent xmlns:mc="http://schemas.openxmlformats.org/markup-compatibility/2006" xmlns:a14="http://schemas.microsoft.com/office/drawing/2010/main">
-        <mc:Choice Requires="a14">
+      <mc:AlternateContent xmlns:mc="http://schemas.openxmlformats.org/markup-compatibility/2006">
+        <mc:Choice xmlns:a14="http://schemas.microsoft.com/office/drawing/2010/main" Requires="a14">
           <p:sp>
             <p:nvSpPr>
               <p:cNvPr id="69" name="TextBox 68"/>
@@ -4721,7 +4721,7 @@
             <p:spPr>
               <a:xfrm>
                 <a:off x="3950049" y="1289511"/>
-                <a:ext cx="420243" cy="282450"/>
+                <a:ext cx="420243" cy="337080"/>
               </a:xfrm>
               <a:prstGeom prst="rect">
                 <a:avLst/>
@@ -4775,7 +4775,7 @@
                             <a:rPr lang="en-US" b="0" i="1" smtClean="0">
                               <a:latin typeface="Cambria Math" panose="02040503050406030204" pitchFamily="18" charset="0"/>
                             </a:rPr>
-                            <m:t>0</m:t>
+                            <m:t>𝑗</m:t>
                           </m:r>
                         </m:sup>
                       </m:sSubSup>
@@ -4787,7 +4787,7 @@
             </p:txBody>
           </p:sp>
         </mc:Choice>
-        <mc:Fallback xmlns="">
+        <mc:Fallback>
           <p:sp>
             <p:nvSpPr>
               <p:cNvPr id="69" name="TextBox 68"/>
@@ -4799,7 +4799,7 @@
             <p:spPr>
               <a:xfrm>
                 <a:off x="3950049" y="1289511"/>
-                <a:ext cx="420243" cy="282450"/>
+                <a:ext cx="420243" cy="337080"/>
               </a:xfrm>
               <a:prstGeom prst="rect">
                 <a:avLst/>
@@ -4807,7 +4807,7 @@
               <a:blipFill>
                 <a:blip r:embed="rId10"/>
                 <a:stretch>
-                  <a:fillRect l="-5634" r="-2817" b="-14583"/>
+                  <a:fillRect l="-5634" t="-1754" r="-2817" b="-14035"/>
                 </a:stretch>
               </a:blipFill>
               <a:ln>
@@ -4831,8 +4831,8 @@
           </p:sp>
         </mc:Fallback>
       </mc:AlternateContent>
-      <mc:AlternateContent xmlns:mc="http://schemas.openxmlformats.org/markup-compatibility/2006" xmlns:a14="http://schemas.microsoft.com/office/drawing/2010/main">
-        <mc:Choice Requires="a14">
+      <mc:AlternateContent xmlns:mc="http://schemas.openxmlformats.org/markup-compatibility/2006">
+        <mc:Choice xmlns:a14="http://schemas.microsoft.com/office/drawing/2010/main" Requires="a14">
           <p:sp>
             <p:nvSpPr>
               <p:cNvPr id="70" name="Rectangle 69"/>
@@ -4842,7 +4842,7 @@
             <p:spPr>
               <a:xfrm>
                 <a:off x="4544291" y="1237103"/>
-                <a:ext cx="604909" cy="374783"/>
+                <a:ext cx="604909" cy="429413"/>
               </a:xfrm>
               <a:prstGeom prst="rect">
                 <a:avLst/>
@@ -4890,7 +4890,7 @@
                             <a:rPr lang="en-US" b="0" i="1" smtClean="0">
                               <a:latin typeface="Cambria Math" panose="02040503050406030204" pitchFamily="18" charset="0"/>
                             </a:rPr>
-                            <m:t>0</m:t>
+                            <m:t>𝑗</m:t>
                           </m:r>
                         </m:sup>
                       </m:sSubSup>
@@ -4902,7 +4902,7 @@
             </p:txBody>
           </p:sp>
         </mc:Choice>
-        <mc:Fallback xmlns="">
+        <mc:Fallback>
           <p:sp>
             <p:nvSpPr>
               <p:cNvPr id="70" name="Rectangle 69"/>
@@ -4914,7 +4914,7 @@
             <p:spPr>
               <a:xfrm>
                 <a:off x="4544291" y="1237103"/>
-                <a:ext cx="604909" cy="374783"/>
+                <a:ext cx="604909" cy="429413"/>
               </a:xfrm>
               <a:prstGeom prst="rect">
                 <a:avLst/>
@@ -4922,7 +4922,7 @@
               <a:blipFill>
                 <a:blip r:embed="rId11"/>
                 <a:stretch>
-                  <a:fillRect b="-1639"/>
+                  <a:fillRect b="-2857"/>
                 </a:stretch>
               </a:blipFill>
             </p:spPr>
@@ -4941,8 +4941,8 @@
           </p:sp>
         </mc:Fallback>
       </mc:AlternateContent>
-      <mc:AlternateContent xmlns:mc="http://schemas.openxmlformats.org/markup-compatibility/2006" xmlns:a14="http://schemas.microsoft.com/office/drawing/2010/main">
-        <mc:Choice Requires="a14">
+      <mc:AlternateContent xmlns:mc="http://schemas.openxmlformats.org/markup-compatibility/2006">
+        <mc:Choice xmlns:a14="http://schemas.microsoft.com/office/drawing/2010/main" Requires="a14">
           <p:sp>
             <p:nvSpPr>
               <p:cNvPr id="71" name="Rectangle 70"/>
@@ -4952,7 +4952,7 @@
             <p:spPr>
               <a:xfrm>
                 <a:off x="7020948" y="1237103"/>
-                <a:ext cx="614655" cy="382028"/>
+                <a:ext cx="614655" cy="433773"/>
               </a:xfrm>
               <a:prstGeom prst="rect">
                 <a:avLst/>
@@ -5006,7 +5006,7 @@
                             <a:rPr lang="en-US" b="0" i="1" smtClean="0">
                               <a:latin typeface="Cambria Math" panose="02040503050406030204" pitchFamily="18" charset="0"/>
                             </a:rPr>
-                            <m:t>0</m:t>
+                            <m:t>𝑗</m:t>
                           </m:r>
                         </m:sup>
                       </m:sSubSup>
@@ -5018,7 +5018,7 @@
             </p:txBody>
           </p:sp>
         </mc:Choice>
-        <mc:Fallback xmlns="">
+        <mc:Fallback>
           <p:sp>
             <p:nvSpPr>
               <p:cNvPr id="71" name="Rectangle 70"/>
@@ -5030,7 +5030,7 @@
             <p:spPr>
               <a:xfrm>
                 <a:off x="7020948" y="1237103"/>
-                <a:ext cx="614655" cy="382028"/>
+                <a:ext cx="614655" cy="433773"/>
               </a:xfrm>
               <a:prstGeom prst="rect">
                 <a:avLst/>
@@ -5038,7 +5038,7 @@
               <a:blipFill>
                 <a:blip r:embed="rId12"/>
                 <a:stretch>
-                  <a:fillRect/>
+                  <a:fillRect b="-2817"/>
                 </a:stretch>
               </a:blipFill>
             </p:spPr>
@@ -5057,8 +5057,8 @@
           </p:sp>
         </mc:Fallback>
       </mc:AlternateContent>
-      <mc:AlternateContent xmlns:mc="http://schemas.openxmlformats.org/markup-compatibility/2006" xmlns:a14="http://schemas.microsoft.com/office/drawing/2010/main">
-        <mc:Choice Requires="a14">
+      <mc:AlternateContent xmlns:mc="http://schemas.openxmlformats.org/markup-compatibility/2006">
+        <mc:Choice xmlns:a14="http://schemas.microsoft.com/office/drawing/2010/main" Requires="a14">
           <p:sp>
             <p:nvSpPr>
               <p:cNvPr id="77" name="TextBox 76"/>
@@ -5068,7 +5068,7 @@
             <p:spPr>
               <a:xfrm>
                 <a:off x="3950049" y="3068066"/>
-                <a:ext cx="553292" cy="305148"/>
+                <a:ext cx="553292" cy="359778"/>
               </a:xfrm>
               <a:prstGeom prst="rect">
                 <a:avLst/>
@@ -5122,7 +5122,7 @@
                             <a:rPr lang="en-US" b="0" i="1" smtClean="0">
                               <a:latin typeface="Cambria Math" panose="02040503050406030204" pitchFamily="18" charset="0"/>
                             </a:rPr>
-                            <m:t>0</m:t>
+                            <m:t>𝑗</m:t>
                           </m:r>
                         </m:sup>
                       </m:sSubSup>
@@ -5134,7 +5134,7 @@
             </p:txBody>
           </p:sp>
         </mc:Choice>
-        <mc:Fallback xmlns="">
+        <mc:Fallback>
           <p:sp>
             <p:nvSpPr>
               <p:cNvPr id="77" name="TextBox 76"/>
@@ -5146,7 +5146,7 @@
             <p:spPr>
               <a:xfrm>
                 <a:off x="3950049" y="3068066"/>
-                <a:ext cx="553292" cy="305148"/>
+                <a:ext cx="553292" cy="359778"/>
               </a:xfrm>
               <a:prstGeom prst="rect">
                 <a:avLst/>
@@ -5154,7 +5154,7 @@
               <a:blipFill>
                 <a:blip r:embed="rId13"/>
                 <a:stretch>
-                  <a:fillRect l="-4301" r="-2151" b="-9615"/>
+                  <a:fillRect l="-4301" r="-2151" b="-8197"/>
                 </a:stretch>
               </a:blipFill>
               <a:ln>
@@ -5178,8 +5178,8 @@
           </p:sp>
         </mc:Fallback>
       </mc:AlternateContent>
-      <mc:AlternateContent xmlns:mc="http://schemas.openxmlformats.org/markup-compatibility/2006" xmlns:a14="http://schemas.microsoft.com/office/drawing/2010/main">
-        <mc:Choice Requires="a14">
+      <mc:AlternateContent xmlns:mc="http://schemas.openxmlformats.org/markup-compatibility/2006">
+        <mc:Choice xmlns:a14="http://schemas.microsoft.com/office/drawing/2010/main" Requires="a14">
           <p:sp>
             <p:nvSpPr>
               <p:cNvPr id="78" name="Rectangle 77"/>
@@ -5189,7 +5189,7 @@
             <p:spPr>
               <a:xfrm>
                 <a:off x="4544291" y="3015658"/>
-                <a:ext cx="737959" cy="397481"/>
+                <a:ext cx="737959" cy="452111"/>
               </a:xfrm>
               <a:prstGeom prst="rect">
                 <a:avLst/>
@@ -5237,7 +5237,7 @@
                             <a:rPr lang="en-US" b="0" i="1" smtClean="0">
                               <a:latin typeface="Cambria Math" panose="02040503050406030204" pitchFamily="18" charset="0"/>
                             </a:rPr>
-                            <m:t>0</m:t>
+                            <m:t>𝑗</m:t>
                           </m:r>
                         </m:sup>
                       </m:sSubSup>
@@ -5249,7 +5249,7 @@
             </p:txBody>
           </p:sp>
         </mc:Choice>
-        <mc:Fallback xmlns="">
+        <mc:Fallback>
           <p:sp>
             <p:nvSpPr>
               <p:cNvPr id="78" name="Rectangle 77"/>
@@ -5261,7 +5261,7 @@
             <p:spPr>
               <a:xfrm>
                 <a:off x="4544291" y="3015658"/>
-                <a:ext cx="737959" cy="397481"/>
+                <a:ext cx="737959" cy="452111"/>
               </a:xfrm>
               <a:prstGeom prst="rect">
                 <a:avLst/>
@@ -5288,8 +5288,8 @@
           </p:sp>
         </mc:Fallback>
       </mc:AlternateContent>
-      <mc:AlternateContent xmlns:mc="http://schemas.openxmlformats.org/markup-compatibility/2006" xmlns:a14="http://schemas.microsoft.com/office/drawing/2010/main">
-        <mc:Choice Requires="a14">
+      <mc:AlternateContent xmlns:mc="http://schemas.openxmlformats.org/markup-compatibility/2006">
+        <mc:Choice xmlns:a14="http://schemas.microsoft.com/office/drawing/2010/main" Requires="a14">
           <p:sp>
             <p:nvSpPr>
               <p:cNvPr id="79" name="Rectangle 78"/>
@@ -5299,7 +5299,7 @@
             <p:spPr>
               <a:xfrm>
                 <a:off x="7020948" y="3015658"/>
-                <a:ext cx="747704" cy="403252"/>
+                <a:ext cx="747704" cy="454996"/>
               </a:xfrm>
               <a:prstGeom prst="rect">
                 <a:avLst/>
@@ -5353,7 +5353,7 @@
                             <a:rPr lang="en-US" b="0" i="1" smtClean="0">
                               <a:latin typeface="Cambria Math" panose="02040503050406030204" pitchFamily="18" charset="0"/>
                             </a:rPr>
-                            <m:t>0</m:t>
+                            <m:t>𝑗</m:t>
                           </m:r>
                         </m:sup>
                       </m:sSubSup>
@@ -5365,7 +5365,7 @@
             </p:txBody>
           </p:sp>
         </mc:Choice>
-        <mc:Fallback xmlns="">
+        <mc:Fallback>
           <p:sp>
             <p:nvSpPr>
               <p:cNvPr id="79" name="Rectangle 78"/>
@@ -5377,7 +5377,7 @@
             <p:spPr>
               <a:xfrm>
                 <a:off x="7020948" y="3015658"/>
-                <a:ext cx="747704" cy="403252"/>
+                <a:ext cx="747704" cy="454996"/>
               </a:xfrm>
               <a:prstGeom prst="rect">
                 <a:avLst/>
@@ -5404,8 +5404,8 @@
           </p:sp>
         </mc:Fallback>
       </mc:AlternateContent>
-      <mc:AlternateContent xmlns:mc="http://schemas.openxmlformats.org/markup-compatibility/2006" xmlns:a14="http://schemas.microsoft.com/office/drawing/2010/main">
-        <mc:Choice Requires="a14">
+      <mc:AlternateContent xmlns:mc="http://schemas.openxmlformats.org/markup-compatibility/2006">
+        <mc:Choice xmlns:a14="http://schemas.microsoft.com/office/drawing/2010/main" Requires="a14">
           <p:sp>
             <p:nvSpPr>
               <p:cNvPr id="80" name="TextBox 79"/>
@@ -5415,7 +5415,7 @@
             <p:spPr>
               <a:xfrm>
                 <a:off x="4011245" y="4002740"/>
-                <a:ext cx="553292" cy="305148"/>
+                <a:ext cx="553292" cy="359778"/>
               </a:xfrm>
               <a:prstGeom prst="rect">
                 <a:avLst/>
@@ -5469,7 +5469,7 @@
                             <a:rPr lang="en-US" b="0" i="1" smtClean="0">
                               <a:latin typeface="Cambria Math" panose="02040503050406030204" pitchFamily="18" charset="0"/>
                             </a:rPr>
-                            <m:t>0</m:t>
+                            <m:t>𝑗</m:t>
                           </m:r>
                         </m:sup>
                       </m:sSubSup>
@@ -5481,7 +5481,7 @@
             </p:txBody>
           </p:sp>
         </mc:Choice>
-        <mc:Fallback xmlns="">
+        <mc:Fallback>
           <p:sp>
             <p:nvSpPr>
               <p:cNvPr id="80" name="TextBox 79"/>
@@ -5493,7 +5493,7 @@
             <p:spPr>
               <a:xfrm>
                 <a:off x="4011245" y="4002740"/>
-                <a:ext cx="553292" cy="305148"/>
+                <a:ext cx="553292" cy="359778"/>
               </a:xfrm>
               <a:prstGeom prst="rect">
                 <a:avLst/>
@@ -5501,7 +5501,7 @@
               <a:blipFill>
                 <a:blip r:embed="rId16"/>
                 <a:stretch>
-                  <a:fillRect l="-4301" r="-3226" b="-7692"/>
+                  <a:fillRect l="-4301" t="-1639" r="-3226" b="-6557"/>
                 </a:stretch>
               </a:blipFill>
               <a:ln>
@@ -5525,8 +5525,8 @@
           </p:sp>
         </mc:Fallback>
       </mc:AlternateContent>
-      <mc:AlternateContent xmlns:mc="http://schemas.openxmlformats.org/markup-compatibility/2006" xmlns:a14="http://schemas.microsoft.com/office/drawing/2010/main">
-        <mc:Choice Requires="a14">
+      <mc:AlternateContent xmlns:mc="http://schemas.openxmlformats.org/markup-compatibility/2006">
+        <mc:Choice xmlns:a14="http://schemas.microsoft.com/office/drawing/2010/main" Requires="a14">
           <p:sp>
             <p:nvSpPr>
               <p:cNvPr id="81" name="Rectangle 80"/>
@@ -5536,7 +5536,7 @@
             <p:spPr>
               <a:xfrm>
                 <a:off x="4522359" y="3961416"/>
-                <a:ext cx="737959" cy="397481"/>
+                <a:ext cx="737959" cy="452111"/>
               </a:xfrm>
               <a:prstGeom prst="rect">
                 <a:avLst/>
@@ -5584,7 +5584,7 @@
                             <a:rPr lang="en-US" b="0" i="1" smtClean="0">
                               <a:latin typeface="Cambria Math" panose="02040503050406030204" pitchFamily="18" charset="0"/>
                             </a:rPr>
-                            <m:t>0</m:t>
+                            <m:t>𝑗</m:t>
                           </m:r>
                         </m:sup>
                       </m:sSubSup>
@@ -5596,7 +5596,7 @@
             </p:txBody>
           </p:sp>
         </mc:Choice>
-        <mc:Fallback xmlns="">
+        <mc:Fallback>
           <p:sp>
             <p:nvSpPr>
               <p:cNvPr id="81" name="Rectangle 80"/>
@@ -5608,7 +5608,7 @@
             <p:spPr>
               <a:xfrm>
                 <a:off x="4522359" y="3961416"/>
-                <a:ext cx="737959" cy="397481"/>
+                <a:ext cx="737959" cy="452111"/>
               </a:xfrm>
               <a:prstGeom prst="rect">
                 <a:avLst/>
@@ -5635,8 +5635,8 @@
           </p:sp>
         </mc:Fallback>
       </mc:AlternateContent>
-      <mc:AlternateContent xmlns:mc="http://schemas.openxmlformats.org/markup-compatibility/2006" xmlns:a14="http://schemas.microsoft.com/office/drawing/2010/main">
-        <mc:Choice Requires="a14">
+      <mc:AlternateContent xmlns:mc="http://schemas.openxmlformats.org/markup-compatibility/2006">
+        <mc:Choice xmlns:a14="http://schemas.microsoft.com/office/drawing/2010/main" Requires="a14">
           <p:sp>
             <p:nvSpPr>
               <p:cNvPr id="82" name="Rectangle 81"/>
@@ -5646,7 +5646,7 @@
             <p:spPr>
               <a:xfrm>
                 <a:off x="6998197" y="3948146"/>
-                <a:ext cx="747704" cy="403252"/>
+                <a:ext cx="747704" cy="454996"/>
               </a:xfrm>
               <a:prstGeom prst="rect">
                 <a:avLst/>
@@ -5700,7 +5700,7 @@
                             <a:rPr lang="en-US" b="0" i="1" smtClean="0">
                               <a:latin typeface="Cambria Math" panose="02040503050406030204" pitchFamily="18" charset="0"/>
                             </a:rPr>
-                            <m:t>0</m:t>
+                            <m:t>𝑗</m:t>
                           </m:r>
                         </m:sup>
                       </m:sSubSup>
@@ -5712,7 +5712,7 @@
             </p:txBody>
           </p:sp>
         </mc:Choice>
-        <mc:Fallback xmlns="">
+        <mc:Fallback>
           <p:sp>
             <p:nvSpPr>
               <p:cNvPr id="82" name="Rectangle 81"/>
@@ -5724,7 +5724,7 @@
             <p:spPr>
               <a:xfrm>
                 <a:off x="6998197" y="3948146"/>
-                <a:ext cx="747704" cy="403252"/>
+                <a:ext cx="747704" cy="454996"/>
               </a:xfrm>
               <a:prstGeom prst="rect">
                 <a:avLst/>
@@ -5831,307 +5831,6 @@
           </a:p>
         </p:txBody>
       </p:sp>
-      <mc:AlternateContent xmlns:mc="http://schemas.openxmlformats.org/markup-compatibility/2006" xmlns:a14="http://schemas.microsoft.com/office/drawing/2010/main">
-        <mc:Choice Requires="a14">
-          <p:sp>
-            <p:nvSpPr>
-              <p:cNvPr id="85" name="TextBox 84"/>
-              <p:cNvSpPr txBox="1"/>
-              <p:nvPr/>
-            </p:nvSpPr>
-            <p:spPr>
-              <a:xfrm>
-                <a:off x="8431340" y="1873624"/>
-                <a:ext cx="1663982" cy="1087092"/>
-              </a:xfrm>
-              <a:prstGeom prst="rect">
-                <a:avLst/>
-              </a:prstGeom>
-              <a:noFill/>
-            </p:spPr>
-            <p:txBody>
-              <a:bodyPr wrap="square" lIns="0" tIns="0" rIns="0" bIns="0" rtlCol="0">
-                <a:spAutoFit/>
-              </a:bodyPr>
-              <a:lstStyle/>
-              <a:p>
-                <a:pPr/>
-                <a14:m>
-                  <m:oMathPara xmlns:m="http://schemas.openxmlformats.org/officeDocument/2006/math">
-                    <m:oMathParaPr>
-                      <m:jc m:val="centerGroup"/>
-                    </m:oMathParaPr>
-                    <m:oMath xmlns:m="http://schemas.openxmlformats.org/officeDocument/2006/math">
-                      <m:sSup>
-                        <m:sSupPr>
-                          <m:ctrlPr>
-                            <a:rPr lang="en-US" b="0" i="1" smtClean="0">
-                              <a:latin typeface="Cambria Math" panose="02040503050406030204" pitchFamily="18" charset="0"/>
-                            </a:rPr>
-                          </m:ctrlPr>
-                        </m:sSupPr>
-                        <m:e>
-                          <m:r>
-                            <a:rPr lang="en-US" b="0" i="1" smtClean="0">
-                              <a:latin typeface="Cambria Math" panose="02040503050406030204" pitchFamily="18" charset="0"/>
-                            </a:rPr>
-                            <m:t>𝑤</m:t>
-                          </m:r>
-                        </m:e>
-                        <m:sup>
-                          <m:r>
-                            <a:rPr lang="en-US" b="0" i="1" smtClean="0">
-                              <a:latin typeface="Cambria Math" panose="02040503050406030204" pitchFamily="18" charset="0"/>
-                            </a:rPr>
-                            <m:t>1</m:t>
-                          </m:r>
-                        </m:sup>
-                      </m:sSup>
-                      <m:r>
-                        <a:rPr lang="en-US" b="0" i="1" smtClean="0">
-                          <a:latin typeface="Cambria Math" panose="02040503050406030204" pitchFamily="18" charset="0"/>
-                        </a:rPr>
-                        <m:t>=</m:t>
-                      </m:r>
-                      <m:f>
-                        <m:fPr>
-                          <m:ctrlPr>
-                            <a:rPr lang="en-US" b="0" i="1" smtClean="0">
-                              <a:latin typeface="Cambria Math" panose="02040503050406030204" pitchFamily="18" charset="0"/>
-                            </a:rPr>
-                          </m:ctrlPr>
-                        </m:fPr>
-                        <m:num>
-                          <m:r>
-                            <a:rPr lang="en-US" b="0" i="1" smtClean="0">
-                              <a:latin typeface="Cambria Math" panose="02040503050406030204" pitchFamily="18" charset="0"/>
-                            </a:rPr>
-                            <m:t>1</m:t>
-                          </m:r>
-                        </m:num>
-                        <m:den>
-                          <m:r>
-                            <a:rPr lang="en-US" b="0" i="1" smtClean="0">
-                              <a:latin typeface="Cambria Math" panose="02040503050406030204" pitchFamily="18" charset="0"/>
-                            </a:rPr>
-                            <m:t>64</m:t>
-                          </m:r>
-                        </m:den>
-                      </m:f>
-                      <m:nary>
-                        <m:naryPr>
-                          <m:chr m:val="∑"/>
-                          <m:ctrlPr>
-                            <a:rPr lang="en-US" b="0" i="1" smtClean="0">
-                              <a:latin typeface="Cambria Math" panose="02040503050406030204" pitchFamily="18" charset="0"/>
-                            </a:rPr>
-                          </m:ctrlPr>
-                        </m:naryPr>
-                        <m:sub>
-                          <m:r>
-                            <m:rPr>
-                              <m:brk m:alnAt="23"/>
-                            </m:rPr>
-                            <a:rPr lang="en-US" b="0" i="1" smtClean="0">
-                              <a:latin typeface="Cambria Math" panose="02040503050406030204" pitchFamily="18" charset="0"/>
-                            </a:rPr>
-                            <m:t>𝑗</m:t>
-                          </m:r>
-                          <m:r>
-                            <a:rPr lang="en-US" b="0" i="1" smtClean="0">
-                              <a:latin typeface="Cambria Math" panose="02040503050406030204" pitchFamily="18" charset="0"/>
-                            </a:rPr>
-                            <m:t>=1</m:t>
-                          </m:r>
-                        </m:sub>
-                        <m:sup>
-                          <m:r>
-                            <a:rPr lang="en-US" b="0" i="1" smtClean="0">
-                              <a:latin typeface="Cambria Math" panose="02040503050406030204" pitchFamily="18" charset="0"/>
-                            </a:rPr>
-                            <m:t>64</m:t>
-                          </m:r>
-                        </m:sup>
-                        <m:e>
-                          <m:sSubSup>
-                            <m:sSubSupPr>
-                              <m:ctrlPr>
-                                <a:rPr lang="en-US" b="0" i="1" smtClean="0">
-                                  <a:latin typeface="Cambria Math" panose="02040503050406030204" pitchFamily="18" charset="0"/>
-                                </a:rPr>
-                              </m:ctrlPr>
-                            </m:sSubSupPr>
-                            <m:e>
-                              <m:r>
-                                <a:rPr lang="en-US" b="0" i="1" smtClean="0">
-                                  <a:latin typeface="Cambria Math" panose="02040503050406030204" pitchFamily="18" charset="0"/>
-                                </a:rPr>
-                                <m:t>𝑤</m:t>
-                              </m:r>
-                            </m:e>
-                            <m:sub>
-                              <m:r>
-                                <a:rPr lang="en-US" b="0" i="1" smtClean="0">
-                                  <a:latin typeface="Cambria Math" panose="02040503050406030204" pitchFamily="18" charset="0"/>
-                                </a:rPr>
-                                <m:t>𝑗𝑘</m:t>
-                              </m:r>
-                            </m:sub>
-                            <m:sup>
-                              <m:r>
-                                <a:rPr lang="en-US" b="0" i="1" smtClean="0">
-                                  <a:latin typeface="Cambria Math" panose="02040503050406030204" pitchFamily="18" charset="0"/>
-                                </a:rPr>
-                                <m:t>0</m:t>
-                              </m:r>
-                            </m:sup>
-                          </m:sSubSup>
-                        </m:e>
-                      </m:nary>
-                    </m:oMath>
-                  </m:oMathPara>
-                </a14:m>
-                <a:endParaRPr lang="en-US" b="0" dirty="0"/>
-              </a:p>
-              <a:p>
-                <a:pPr/>
-                <a14:m>
-                  <m:oMathPara xmlns:m="http://schemas.openxmlformats.org/officeDocument/2006/math">
-                    <m:oMathParaPr>
-                      <m:jc m:val="centerGroup"/>
-                    </m:oMathParaPr>
-                    <m:oMath xmlns:m="http://schemas.openxmlformats.org/officeDocument/2006/math">
-                      <m:r>
-                        <a:rPr lang="en-US" i="1" smtClean="0">
-                          <a:latin typeface="Cambria Math" panose="02040503050406030204" pitchFamily="18" charset="0"/>
-                          <a:ea typeface="Cambria Math" panose="02040503050406030204" pitchFamily="18" charset="0"/>
-                        </a:rPr>
-                        <m:t>∆</m:t>
-                      </m:r>
-                      <m:r>
-                        <a:rPr lang="en-US" b="0" i="1" smtClean="0">
-                          <a:latin typeface="Cambria Math" panose="02040503050406030204" pitchFamily="18" charset="0"/>
-                          <a:ea typeface="Cambria Math" panose="02040503050406030204" pitchFamily="18" charset="0"/>
-                        </a:rPr>
-                        <m:t>𝑤</m:t>
-                      </m:r>
-                      <m:r>
-                        <a:rPr lang="en-US" b="0" i="1" smtClean="0">
-                          <a:latin typeface="Cambria Math" panose="02040503050406030204" pitchFamily="18" charset="0"/>
-                          <a:ea typeface="Cambria Math" panose="02040503050406030204" pitchFamily="18" charset="0"/>
-                        </a:rPr>
-                        <m:t>=</m:t>
-                      </m:r>
-                      <m:sSup>
-                        <m:sSupPr>
-                          <m:ctrlPr>
-                            <a:rPr lang="en-US" b="0" i="1" smtClean="0">
-                              <a:latin typeface="Cambria Math" panose="02040503050406030204" pitchFamily="18" charset="0"/>
-                              <a:ea typeface="Cambria Math" panose="02040503050406030204" pitchFamily="18" charset="0"/>
-                            </a:rPr>
-                          </m:ctrlPr>
-                        </m:sSupPr>
-                        <m:e>
-                          <m:r>
-                            <a:rPr lang="en-US" b="0" i="1" smtClean="0">
-                              <a:latin typeface="Cambria Math" panose="02040503050406030204" pitchFamily="18" charset="0"/>
-                              <a:ea typeface="Cambria Math" panose="02040503050406030204" pitchFamily="18" charset="0"/>
-                            </a:rPr>
-                            <m:t>𝑤</m:t>
-                          </m:r>
-                        </m:e>
-                        <m:sup>
-                          <m:r>
-                            <a:rPr lang="en-US" b="0" i="1" smtClean="0">
-                              <a:latin typeface="Cambria Math" panose="02040503050406030204" pitchFamily="18" charset="0"/>
-                              <a:ea typeface="Cambria Math" panose="02040503050406030204" pitchFamily="18" charset="0"/>
-                            </a:rPr>
-                            <m:t>1</m:t>
-                          </m:r>
-                        </m:sup>
-                      </m:sSup>
-                      <m:r>
-                        <a:rPr lang="en-US" b="0" i="1" smtClean="0">
-                          <a:latin typeface="Cambria Math" panose="02040503050406030204" pitchFamily="18" charset="0"/>
-                          <a:ea typeface="Cambria Math" panose="02040503050406030204" pitchFamily="18" charset="0"/>
-                        </a:rPr>
-                        <m:t>−</m:t>
-                      </m:r>
-                      <m:sSup>
-                        <m:sSupPr>
-                          <m:ctrlPr>
-                            <a:rPr lang="en-US" b="0" i="1" smtClean="0">
-                              <a:latin typeface="Cambria Math" panose="02040503050406030204" pitchFamily="18" charset="0"/>
-                              <a:ea typeface="Cambria Math" panose="02040503050406030204" pitchFamily="18" charset="0"/>
-                            </a:rPr>
-                          </m:ctrlPr>
-                        </m:sSupPr>
-                        <m:e>
-                          <m:r>
-                            <a:rPr lang="en-US" b="0" i="1" smtClean="0">
-                              <a:latin typeface="Cambria Math" panose="02040503050406030204" pitchFamily="18" charset="0"/>
-                              <a:ea typeface="Cambria Math" panose="02040503050406030204" pitchFamily="18" charset="0"/>
-                            </a:rPr>
-                            <m:t>𝑤</m:t>
-                          </m:r>
-                        </m:e>
-                        <m:sup>
-                          <m:r>
-                            <a:rPr lang="en-US" b="0" i="1" smtClean="0">
-                              <a:latin typeface="Cambria Math" panose="02040503050406030204" pitchFamily="18" charset="0"/>
-                              <a:ea typeface="Cambria Math" panose="02040503050406030204" pitchFamily="18" charset="0"/>
-                            </a:rPr>
-                            <m:t>0</m:t>
-                          </m:r>
-                        </m:sup>
-                      </m:sSup>
-                    </m:oMath>
-                  </m:oMathPara>
-                </a14:m>
-                <a:endParaRPr lang="en-US" dirty="0"/>
-              </a:p>
-            </p:txBody>
-          </p:sp>
-        </mc:Choice>
-        <mc:Fallback xmlns="">
-          <p:sp>
-            <p:nvSpPr>
-              <p:cNvPr id="85" name="TextBox 84"/>
-              <p:cNvSpPr txBox="1">
-                <a:spLocks noRot="1" noChangeAspect="1" noMove="1" noResize="1" noEditPoints="1" noAdjustHandles="1" noChangeArrowheads="1" noChangeShapeType="1" noTextEdit="1"/>
-              </p:cNvSpPr>
-              <p:nvPr/>
-            </p:nvSpPr>
-            <p:spPr>
-              <a:xfrm>
-                <a:off x="8431340" y="1873624"/>
-                <a:ext cx="1663982" cy="1087092"/>
-              </a:xfrm>
-              <a:prstGeom prst="rect">
-                <a:avLst/>
-              </a:prstGeom>
-              <a:blipFill>
-                <a:blip r:embed="rId19"/>
-                <a:stretch>
-                  <a:fillRect b="-1117"/>
-                </a:stretch>
-              </a:blipFill>
-            </p:spPr>
-            <p:txBody>
-              <a:bodyPr/>
-              <a:lstStyle/>
-              <a:p>
-                <a:r>
-                  <a:rPr lang="en-US">
-                    <a:noFill/>
-                  </a:rPr>
-                  <a:t> </a:t>
-                </a:r>
-              </a:p>
-            </p:txBody>
-          </p:sp>
-        </mc:Fallback>
-      </mc:AlternateContent>
       <mc:AlternateContent xmlns:mc="http://schemas.openxmlformats.org/markup-compatibility/2006" xmlns:a14="http://schemas.microsoft.com/office/drawing/2010/main">
         <mc:Choice Requires="a14">
           <p:sp>
@@ -6408,8 +6107,8 @@
         </p:nvCxnSpPr>
         <p:spPr>
           <a:xfrm rot="10800000">
-            <a:off x="2254448" y="2641093"/>
-            <a:ext cx="1879748" cy="2749743"/>
+            <a:off x="2254448" y="2653019"/>
+            <a:ext cx="1879748" cy="2737817"/>
           </a:xfrm>
           <a:prstGeom prst="bentConnector2">
             <a:avLst/>
@@ -6433,8 +6132,8 @@
           </a:fontRef>
         </p:style>
       </p:cxnSp>
-      <mc:AlternateContent xmlns:mc="http://schemas.openxmlformats.org/markup-compatibility/2006" xmlns:a14="http://schemas.microsoft.com/office/drawing/2010/main">
-        <mc:Choice Requires="a14">
+      <mc:AlternateContent xmlns:mc="http://schemas.openxmlformats.org/markup-compatibility/2006">
+        <mc:Choice xmlns:a14="http://schemas.microsoft.com/office/drawing/2010/main" Requires="a14">
           <p:sp>
             <p:nvSpPr>
               <p:cNvPr id="92" name="Rectangle 91"/>
@@ -6443,8 +6142,8 @@
             </p:nvSpPr>
             <p:spPr>
               <a:xfrm>
-                <a:off x="2264900" y="4970363"/>
-                <a:ext cx="1858842" cy="646331"/>
+                <a:off x="5042306" y="4817800"/>
+                <a:ext cx="1858842" cy="669992"/>
               </a:xfrm>
               <a:prstGeom prst="rect">
                 <a:avLst/>
@@ -6496,7 +6195,7 @@
                                 <a:rPr lang="en-US" b="0" i="1" smtClean="0">
                                   <a:latin typeface="Cambria Math" panose="02040503050406030204" pitchFamily="18" charset="0"/>
                                 </a:rPr>
-                                <m:t>0</m:t>
+                                <m:t>∗</m:t>
                               </m:r>
                             </m:sup>
                           </m:sSup>
@@ -6518,7 +6217,7 @@
                             <a:rPr lang="en-US" b="0" i="1" smtClean="0">
                               <a:latin typeface="Cambria Math" panose="02040503050406030204" pitchFamily="18" charset="0"/>
                             </a:rPr>
-                            <m:t>∗</m:t>
+                            <m:t>𝑗</m:t>
                           </m:r>
                         </m:sup>
                       </m:sSup>
@@ -6560,7 +6259,7 @@
             </p:txBody>
           </p:sp>
         </mc:Choice>
-        <mc:Fallback xmlns="">
+        <mc:Fallback>
           <p:sp>
             <p:nvSpPr>
               <p:cNvPr id="92" name="Rectangle 91"/>
@@ -6571,8 +6270,8 @@
             </p:nvSpPr>
             <p:spPr>
               <a:xfrm>
-                <a:off x="2264900" y="4970363"/>
-                <a:ext cx="1858842" cy="646331"/>
+                <a:off x="5042306" y="4817800"/>
+                <a:ext cx="1858842" cy="669992"/>
               </a:xfrm>
               <a:prstGeom prst="rect">
                 <a:avLst/>
@@ -6611,7 +6310,7 @@
         <p:spPr>
           <a:xfrm>
             <a:off x="1684713" y="171797"/>
-            <a:ext cx="8473440" cy="4627418"/>
+            <a:ext cx="8814202" cy="4627418"/>
           </a:xfrm>
           <a:prstGeom prst="rect">
             <a:avLst/>
@@ -7102,6 +6801,496 @@
                 <a:srgbClr val="FFFF00"/>
               </a:highlight>
             </a:endParaRPr>
+          </a:p>
+        </p:txBody>
+      </p:sp>
+      <mc:AlternateContent xmlns:mc="http://schemas.openxmlformats.org/markup-compatibility/2006">
+        <mc:Choice xmlns:a14="http://schemas.microsoft.com/office/drawing/2010/main" Requires="a14">
+          <p:sp>
+            <p:nvSpPr>
+              <p:cNvPr id="85" name="TextBox 84"/>
+              <p:cNvSpPr txBox="1"/>
+              <p:nvPr/>
+            </p:nvSpPr>
+            <p:spPr>
+              <a:xfrm>
+                <a:off x="8431339" y="1873624"/>
+                <a:ext cx="2067576" cy="1064715"/>
+              </a:xfrm>
+              <a:prstGeom prst="rect">
+                <a:avLst/>
+              </a:prstGeom>
+              <a:noFill/>
+            </p:spPr>
+            <p:txBody>
+              <a:bodyPr wrap="square" lIns="0" tIns="0" rIns="0" bIns="0" rtlCol="0">
+                <a:spAutoFit/>
+              </a:bodyPr>
+              <a:lstStyle/>
+              <a:p>
+                <a:pPr/>
+                <a14:m>
+                  <m:oMathPara xmlns:m="http://schemas.openxmlformats.org/officeDocument/2006/math">
+                    <m:oMathParaPr>
+                      <m:jc m:val="centerGroup"/>
+                    </m:oMathParaPr>
+                    <m:oMath xmlns:m="http://schemas.openxmlformats.org/officeDocument/2006/math">
+                      <m:sSup>
+                        <m:sSupPr>
+                          <m:ctrlPr>
+                            <a:rPr lang="en-US" b="0" i="1" smtClean="0">
+                              <a:latin typeface="Cambria Math" panose="02040503050406030204" pitchFamily="18" charset="0"/>
+                            </a:rPr>
+                          </m:ctrlPr>
+                        </m:sSupPr>
+                        <m:e>
+                          <m:r>
+                            <a:rPr lang="en-US" b="0" i="1" smtClean="0">
+                              <a:latin typeface="Cambria Math" panose="02040503050406030204" pitchFamily="18" charset="0"/>
+                            </a:rPr>
+                            <m:t>𝑤</m:t>
+                          </m:r>
+                        </m:e>
+                        <m:sup>
+                          <m:r>
+                            <a:rPr lang="en-US" b="0" i="1" smtClean="0">
+                              <a:latin typeface="Cambria Math" panose="02040503050406030204" pitchFamily="18" charset="0"/>
+                            </a:rPr>
+                            <m:t>𝑗</m:t>
+                          </m:r>
+                          <m:r>
+                            <a:rPr lang="en-US" b="0" i="1" smtClean="0">
+                              <a:latin typeface="Cambria Math" panose="02040503050406030204" pitchFamily="18" charset="0"/>
+                            </a:rPr>
+                            <m:t>+1</m:t>
+                          </m:r>
+                        </m:sup>
+                      </m:sSup>
+                      <m:r>
+                        <a:rPr lang="en-US" b="0" i="1" smtClean="0">
+                          <a:latin typeface="Cambria Math" panose="02040503050406030204" pitchFamily="18" charset="0"/>
+                        </a:rPr>
+                        <m:t>=</m:t>
+                      </m:r>
+                      <m:f>
+                        <m:fPr>
+                          <m:ctrlPr>
+                            <a:rPr lang="en-US" b="0" i="1" smtClean="0">
+                              <a:latin typeface="Cambria Math" panose="02040503050406030204" pitchFamily="18" charset="0"/>
+                            </a:rPr>
+                          </m:ctrlPr>
+                        </m:fPr>
+                        <m:num>
+                          <m:r>
+                            <a:rPr lang="en-US" b="0" i="1" smtClean="0">
+                              <a:latin typeface="Cambria Math" panose="02040503050406030204" pitchFamily="18" charset="0"/>
+                            </a:rPr>
+                            <m:t>1</m:t>
+                          </m:r>
+                        </m:num>
+                        <m:den>
+                          <m:r>
+                            <a:rPr lang="en-US" b="0" i="1" smtClean="0">
+                              <a:latin typeface="Cambria Math" panose="02040503050406030204" pitchFamily="18" charset="0"/>
+                            </a:rPr>
+                            <m:t>64</m:t>
+                          </m:r>
+                        </m:den>
+                      </m:f>
+                      <m:nary>
+                        <m:naryPr>
+                          <m:chr m:val="∑"/>
+                          <m:ctrlPr>
+                            <a:rPr lang="en-US" b="0" i="1" smtClean="0">
+                              <a:latin typeface="Cambria Math" panose="02040503050406030204" pitchFamily="18" charset="0"/>
+                            </a:rPr>
+                          </m:ctrlPr>
+                        </m:naryPr>
+                        <m:sub>
+                          <m:r>
+                            <a:rPr lang="en-US" b="0" i="1" smtClean="0">
+                              <a:latin typeface="Cambria Math" panose="02040503050406030204" pitchFamily="18" charset="0"/>
+                            </a:rPr>
+                            <m:t>𝑖</m:t>
+                          </m:r>
+                          <m:r>
+                            <a:rPr lang="en-US" b="0" i="1" smtClean="0">
+                              <a:latin typeface="Cambria Math" panose="02040503050406030204" pitchFamily="18" charset="0"/>
+                            </a:rPr>
+                            <m:t>=1</m:t>
+                          </m:r>
+                        </m:sub>
+                        <m:sup>
+                          <m:r>
+                            <a:rPr lang="en-US" b="0" i="1" smtClean="0">
+                              <a:latin typeface="Cambria Math" panose="02040503050406030204" pitchFamily="18" charset="0"/>
+                            </a:rPr>
+                            <m:t>64</m:t>
+                          </m:r>
+                        </m:sup>
+                        <m:e>
+                          <m:sSubSup>
+                            <m:sSubSupPr>
+                              <m:ctrlPr>
+                                <a:rPr lang="en-US" b="0" i="1" smtClean="0">
+                                  <a:latin typeface="Cambria Math" panose="02040503050406030204" pitchFamily="18" charset="0"/>
+                                </a:rPr>
+                              </m:ctrlPr>
+                            </m:sSubSupPr>
+                            <m:e>
+                              <m:r>
+                                <a:rPr lang="en-US" b="0" i="1" smtClean="0">
+                                  <a:latin typeface="Cambria Math" panose="02040503050406030204" pitchFamily="18" charset="0"/>
+                                </a:rPr>
+                                <m:t>𝑤</m:t>
+                              </m:r>
+                            </m:e>
+                            <m:sub>
+                              <m:r>
+                                <a:rPr lang="en-US" b="0" i="1" smtClean="0">
+                                  <a:latin typeface="Cambria Math" panose="02040503050406030204" pitchFamily="18" charset="0"/>
+                                </a:rPr>
+                                <m:t>𝑖</m:t>
+                              </m:r>
+                              <m:r>
+                                <a:rPr lang="en-US" b="0" i="1" smtClean="0">
+                                  <a:latin typeface="Cambria Math" panose="02040503050406030204" pitchFamily="18" charset="0"/>
+                                </a:rPr>
+                                <m:t>𝑘</m:t>
+                              </m:r>
+                            </m:sub>
+                            <m:sup>
+                              <m:r>
+                                <a:rPr lang="en-US" b="0" i="1" smtClean="0">
+                                  <a:latin typeface="Cambria Math" panose="02040503050406030204" pitchFamily="18" charset="0"/>
+                                </a:rPr>
+                                <m:t>𝑗</m:t>
+                              </m:r>
+                            </m:sup>
+                          </m:sSubSup>
+                        </m:e>
+                      </m:nary>
+                    </m:oMath>
+                  </m:oMathPara>
+                </a14:m>
+                <a:endParaRPr lang="en-US" b="0" dirty="0"/>
+              </a:p>
+              <a:p>
+                <a:pPr/>
+                <a14:m>
+                  <m:oMathPara xmlns:m="http://schemas.openxmlformats.org/officeDocument/2006/math">
+                    <m:oMathParaPr>
+                      <m:jc m:val="centerGroup"/>
+                    </m:oMathParaPr>
+                    <m:oMath xmlns:m="http://schemas.openxmlformats.org/officeDocument/2006/math">
+                      <m:r>
+                        <a:rPr lang="en-US" i="1" smtClean="0">
+                          <a:latin typeface="Cambria Math" panose="02040503050406030204" pitchFamily="18" charset="0"/>
+                          <a:ea typeface="Cambria Math" panose="02040503050406030204" pitchFamily="18" charset="0"/>
+                        </a:rPr>
+                        <m:t>∆</m:t>
+                      </m:r>
+                      <m:r>
+                        <a:rPr lang="en-US" b="0" i="1" smtClean="0">
+                          <a:latin typeface="Cambria Math" panose="02040503050406030204" pitchFamily="18" charset="0"/>
+                          <a:ea typeface="Cambria Math" panose="02040503050406030204" pitchFamily="18" charset="0"/>
+                        </a:rPr>
+                        <m:t>𝑤</m:t>
+                      </m:r>
+                      <m:r>
+                        <a:rPr lang="en-US" b="0" i="1" smtClean="0">
+                          <a:latin typeface="Cambria Math" panose="02040503050406030204" pitchFamily="18" charset="0"/>
+                          <a:ea typeface="Cambria Math" panose="02040503050406030204" pitchFamily="18" charset="0"/>
+                        </a:rPr>
+                        <m:t>=</m:t>
+                      </m:r>
+                      <m:sSup>
+                        <m:sSupPr>
+                          <m:ctrlPr>
+                            <a:rPr lang="en-US" b="0" i="1" smtClean="0">
+                              <a:latin typeface="Cambria Math" panose="02040503050406030204" pitchFamily="18" charset="0"/>
+                              <a:ea typeface="Cambria Math" panose="02040503050406030204" pitchFamily="18" charset="0"/>
+                            </a:rPr>
+                          </m:ctrlPr>
+                        </m:sSupPr>
+                        <m:e>
+                          <m:r>
+                            <a:rPr lang="en-US" b="0" i="1" smtClean="0">
+                              <a:latin typeface="Cambria Math" panose="02040503050406030204" pitchFamily="18" charset="0"/>
+                              <a:ea typeface="Cambria Math" panose="02040503050406030204" pitchFamily="18" charset="0"/>
+                            </a:rPr>
+                            <m:t>𝑤</m:t>
+                          </m:r>
+                        </m:e>
+                        <m:sup>
+                          <m:r>
+                            <a:rPr lang="en-US" b="0" i="1" smtClean="0">
+                              <a:latin typeface="Cambria Math" panose="02040503050406030204" pitchFamily="18" charset="0"/>
+                              <a:ea typeface="Cambria Math" panose="02040503050406030204" pitchFamily="18" charset="0"/>
+                            </a:rPr>
+                            <m:t>𝑗</m:t>
+                          </m:r>
+                          <m:r>
+                            <a:rPr lang="en-US" b="0" i="1" smtClean="0">
+                              <a:latin typeface="Cambria Math" panose="02040503050406030204" pitchFamily="18" charset="0"/>
+                              <a:ea typeface="Cambria Math" panose="02040503050406030204" pitchFamily="18" charset="0"/>
+                            </a:rPr>
+                            <m:t>+1</m:t>
+                          </m:r>
+                        </m:sup>
+                      </m:sSup>
+                      <m:r>
+                        <a:rPr lang="en-US" b="0" i="1" smtClean="0">
+                          <a:latin typeface="Cambria Math" panose="02040503050406030204" pitchFamily="18" charset="0"/>
+                          <a:ea typeface="Cambria Math" panose="02040503050406030204" pitchFamily="18" charset="0"/>
+                        </a:rPr>
+                        <m:t>−</m:t>
+                      </m:r>
+                      <m:sSup>
+                        <m:sSupPr>
+                          <m:ctrlPr>
+                            <a:rPr lang="en-US" b="0" i="1" smtClean="0">
+                              <a:latin typeface="Cambria Math" panose="02040503050406030204" pitchFamily="18" charset="0"/>
+                              <a:ea typeface="Cambria Math" panose="02040503050406030204" pitchFamily="18" charset="0"/>
+                            </a:rPr>
+                          </m:ctrlPr>
+                        </m:sSupPr>
+                        <m:e>
+                          <m:r>
+                            <a:rPr lang="en-US" b="0" i="1" smtClean="0">
+                              <a:latin typeface="Cambria Math" panose="02040503050406030204" pitchFamily="18" charset="0"/>
+                              <a:ea typeface="Cambria Math" panose="02040503050406030204" pitchFamily="18" charset="0"/>
+                            </a:rPr>
+                            <m:t>𝑤</m:t>
+                          </m:r>
+                        </m:e>
+                        <m:sup>
+                          <m:r>
+                            <a:rPr lang="en-US" b="0" i="1" smtClean="0">
+                              <a:latin typeface="Cambria Math" panose="02040503050406030204" pitchFamily="18" charset="0"/>
+                              <a:ea typeface="Cambria Math" panose="02040503050406030204" pitchFamily="18" charset="0"/>
+                            </a:rPr>
+                            <m:t>𝑗</m:t>
+                          </m:r>
+                        </m:sup>
+                      </m:sSup>
+                    </m:oMath>
+                  </m:oMathPara>
+                </a14:m>
+                <a:endParaRPr lang="en-US" dirty="0"/>
+              </a:p>
+            </p:txBody>
+          </p:sp>
+        </mc:Choice>
+        <mc:Fallback>
+          <p:sp>
+            <p:nvSpPr>
+              <p:cNvPr id="85" name="TextBox 84"/>
+              <p:cNvSpPr txBox="1">
+                <a:spLocks noRot="1" noChangeAspect="1" noMove="1" noResize="1" noEditPoints="1" noAdjustHandles="1" noChangeArrowheads="1" noChangeShapeType="1" noTextEdit="1"/>
+              </p:cNvSpPr>
+              <p:nvPr/>
+            </p:nvSpPr>
+            <p:spPr>
+              <a:xfrm>
+                <a:off x="8431339" y="1873624"/>
+                <a:ext cx="2067576" cy="1064715"/>
+              </a:xfrm>
+              <a:prstGeom prst="rect">
+                <a:avLst/>
+              </a:prstGeom>
+              <a:blipFill>
+                <a:blip r:embed="rId23"/>
+                <a:stretch>
+                  <a:fillRect b="-1143"/>
+                </a:stretch>
+              </a:blipFill>
+            </p:spPr>
+            <p:txBody>
+              <a:bodyPr/>
+              <a:lstStyle/>
+              <a:p>
+                <a:r>
+                  <a:rPr lang="en-US">
+                    <a:noFill/>
+                  </a:rPr>
+                  <a:t> </a:t>
+                </a:r>
+              </a:p>
+            </p:txBody>
+          </p:sp>
+        </mc:Fallback>
+      </mc:AlternateContent>
+      <p:pic>
+        <p:nvPicPr>
+          <p:cNvPr id="2" name="Picture 1"/>
+          <p:cNvPicPr>
+            <a:picLocks noChangeAspect="1"/>
+          </p:cNvPicPr>
+          <p:nvPr/>
+        </p:nvPicPr>
+        <p:blipFill rotWithShape="1">
+          <a:blip r:embed="rId24"/>
+          <a:srcRect t="20330"/>
+          <a:stretch/>
+        </p:blipFill>
+        <p:spPr>
+          <a:xfrm>
+            <a:off x="1828510" y="772952"/>
+            <a:ext cx="910506" cy="1031910"/>
+          </a:xfrm>
+          <a:prstGeom prst="rect">
+            <a:avLst/>
+          </a:prstGeom>
+        </p:spPr>
+      </p:pic>
+      <mc:AlternateContent xmlns:mc="http://schemas.openxmlformats.org/markup-compatibility/2006">
+        <mc:Choice xmlns:a14="http://schemas.microsoft.com/office/drawing/2010/main" Requires="a14">
+          <p:sp>
+            <p:nvSpPr>
+              <p:cNvPr id="3" name="Rectangle 2"/>
+              <p:cNvSpPr/>
+              <p:nvPr/>
+            </p:nvSpPr>
+            <p:spPr>
+              <a:xfrm>
+                <a:off x="2235502" y="3806312"/>
+                <a:ext cx="512833" cy="369332"/>
+              </a:xfrm>
+              <a:prstGeom prst="rect">
+                <a:avLst/>
+              </a:prstGeom>
+            </p:spPr>
+            <p:txBody>
+              <a:bodyPr wrap="none">
+                <a:spAutoFit/>
+              </a:bodyPr>
+              <a:lstStyle/>
+              <a:p>
+                <a14:m>
+                  <m:oMathPara xmlns:m="http://schemas.openxmlformats.org/officeDocument/2006/math">
+                    <m:oMathParaPr>
+                      <m:jc m:val="centerGroup"/>
+                    </m:oMathParaPr>
+                    <m:oMath xmlns:m="http://schemas.openxmlformats.org/officeDocument/2006/math">
+                      <m:sSup>
+                        <m:sSupPr>
+                          <m:ctrlPr>
+                            <a:rPr lang="en-US" i="1">
+                              <a:latin typeface="Cambria Math" panose="02040503050406030204" pitchFamily="18" charset="0"/>
+                            </a:rPr>
+                          </m:ctrlPr>
+                        </m:sSupPr>
+                        <m:e>
+                          <m:r>
+                            <a:rPr lang="en-US" i="1">
+                              <a:latin typeface="Cambria Math" panose="02040503050406030204" pitchFamily="18" charset="0"/>
+                            </a:rPr>
+                            <m:t>𝑤</m:t>
+                          </m:r>
+                        </m:e>
+                        <m:sup>
+                          <m:r>
+                            <a:rPr lang="en-US" i="1">
+                              <a:latin typeface="Cambria Math" panose="02040503050406030204" pitchFamily="18" charset="0"/>
+                            </a:rPr>
+                            <m:t>∗</m:t>
+                          </m:r>
+                        </m:sup>
+                      </m:sSup>
+                    </m:oMath>
+                  </m:oMathPara>
+                </a14:m>
+                <a:endParaRPr lang="en-US" dirty="0"/>
+              </a:p>
+            </p:txBody>
+          </p:sp>
+        </mc:Choice>
+        <mc:Fallback>
+          <p:sp>
+            <p:nvSpPr>
+              <p:cNvPr id="3" name="Rectangle 2"/>
+              <p:cNvSpPr>
+                <a:spLocks noRot="1" noChangeAspect="1" noMove="1" noResize="1" noEditPoints="1" noAdjustHandles="1" noChangeArrowheads="1" noChangeShapeType="1" noTextEdit="1"/>
+              </p:cNvSpPr>
+              <p:nvPr/>
+            </p:nvSpPr>
+            <p:spPr>
+              <a:xfrm>
+                <a:off x="2235502" y="3806312"/>
+                <a:ext cx="512833" cy="369332"/>
+              </a:xfrm>
+              <a:prstGeom prst="rect">
+                <a:avLst/>
+              </a:prstGeom>
+              <a:blipFill>
+                <a:blip r:embed="rId25"/>
+                <a:stretch>
+                  <a:fillRect/>
+                </a:stretch>
+              </a:blipFill>
+            </p:spPr>
+            <p:txBody>
+              <a:bodyPr/>
+              <a:lstStyle/>
+              <a:p>
+                <a:r>
+                  <a:rPr lang="en-US">
+                    <a:noFill/>
+                  </a:rPr>
+                  <a:t> </a:t>
+                </a:r>
+              </a:p>
+            </p:txBody>
+          </p:sp>
+        </mc:Fallback>
+      </mc:AlternateContent>
+      <p:sp>
+        <p:nvSpPr>
+          <p:cNvPr id="4" name="TextBox 3"/>
+          <p:cNvSpPr txBox="1"/>
+          <p:nvPr/>
+        </p:nvSpPr>
+        <p:spPr>
+          <a:xfrm>
+            <a:off x="8198645" y="929875"/>
+            <a:ext cx="2224474" cy="1107996"/>
+          </a:xfrm>
+          <a:prstGeom prst="rect">
+            <a:avLst/>
+          </a:prstGeom>
+          <a:noFill/>
+        </p:spPr>
+        <p:txBody>
+          <a:bodyPr wrap="square" rtlCol="0">
+            <a:spAutoFit/>
+          </a:bodyPr>
+          <a:lstStyle/>
+          <a:p>
+            <a:r>
+              <a:rPr lang="en-US" sz="1600" dirty="0">
+                <a:latin typeface="Arial" panose="020B0604020202020204" pitchFamily="34" charset="0"/>
+                <a:cs typeface="Arial" panose="020B0604020202020204" pitchFamily="34" charset="0"/>
+              </a:rPr>
+              <a:t>Assuming 64 threads, each with </a:t>
+            </a:r>
+            <a:r>
+              <a:rPr lang="en-US" sz="1600" i="1" dirty="0">
+                <a:latin typeface="Arial" panose="020B0604020202020204" pitchFamily="34" charset="0"/>
+                <a:cs typeface="Arial" panose="020B0604020202020204" pitchFamily="34" charset="0"/>
+              </a:rPr>
+              <a:t>k</a:t>
+            </a:r>
+            <a:r>
+              <a:rPr lang="en-US" sz="1600" dirty="0">
+                <a:latin typeface="Arial" panose="020B0604020202020204" pitchFamily="34" charset="0"/>
+                <a:cs typeface="Arial" panose="020B0604020202020204" pitchFamily="34" charset="0"/>
+              </a:rPr>
+              <a:t> sequential minibatch updates </a:t>
+            </a:r>
+          </a:p>
+          <a:p>
+            <a:endParaRPr lang="en-US" dirty="0"/>
           </a:p>
         </p:txBody>
       </p:sp>
